--- a/ppt 16-9/0951.放下一切重担.pptx
+++ b/ppt 16-9/0951.放下一切重担.pptx
@@ -5,7 +5,7 @@
     <p:sldMasterId id="2147483648" r:id="rId1"/>
   </p:sldMasterIdLst>
   <p:sldIdLst>
-    <p:sldId id="335" r:id="rId2"/>
+    <p:sldId id="336" r:id="rId2"/>
   </p:sldIdLst>
   <p:sldSz cx="12192000" cy="6858000"/>
   <p:notesSz cx="6858000" cy="9144000"/>
@@ -129,7 +129,7 @@
           <p:cNvPr id="2" name="标题 1">
             <a:extLst>
               <a:ext uri="{FF2B5EF4-FFF2-40B4-BE49-F238E27FC236}">
-                <a16:creationId xmlns:a16="http://schemas.microsoft.com/office/drawing/2014/main" id="{2F8D494D-5E46-F4FC-2CAE-C2B1945665FC}"/>
+                <a16:creationId xmlns:a16="http://schemas.microsoft.com/office/drawing/2014/main" id="{A5CFD8EC-0FB0-59F0-4C18-7631763058D4}"/>
               </a:ext>
             </a:extLst>
           </p:cNvPr>
@@ -166,7 +166,7 @@
           <p:cNvPr id="3" name="副标题 2">
             <a:extLst>
               <a:ext uri="{FF2B5EF4-FFF2-40B4-BE49-F238E27FC236}">
-                <a16:creationId xmlns:a16="http://schemas.microsoft.com/office/drawing/2014/main" id="{2E30885E-11FF-CC65-5715-AE9824A69882}"/>
+                <a16:creationId xmlns:a16="http://schemas.microsoft.com/office/drawing/2014/main" id="{4CF62A33-8233-C94E-CE1B-DA4CE94EA991}"/>
               </a:ext>
             </a:extLst>
           </p:cNvPr>
@@ -236,7 +236,7 @@
           <p:cNvPr id="4" name="日期占位符 3">
             <a:extLst>
               <a:ext uri="{FF2B5EF4-FFF2-40B4-BE49-F238E27FC236}">
-                <a16:creationId xmlns:a16="http://schemas.microsoft.com/office/drawing/2014/main" id="{F24FB451-FC19-60B9-E984-4F2270485A21}"/>
+                <a16:creationId xmlns:a16="http://schemas.microsoft.com/office/drawing/2014/main" id="{E635CAEE-14FC-4EAC-39DF-E1F689584965}"/>
               </a:ext>
             </a:extLst>
           </p:cNvPr>
@@ -252,7 +252,7 @@
           <a:bodyPr/>
           <a:lstStyle/>
           <a:p>
-            <a:fld id="{D8D504A2-9C3D-4E2D-819F-401D128FA7BC}" type="datetimeFigureOut">
+            <a:fld id="{A39AB41A-B348-4CA7-83F0-BA381DD76654}" type="datetimeFigureOut">
               <a:rPr lang="zh-CN" altLang="en-US" smtClean="0"/>
               <a:t>2024/3/10</a:t>
             </a:fld>
@@ -265,7 +265,7 @@
           <p:cNvPr id="5" name="页脚占位符 4">
             <a:extLst>
               <a:ext uri="{FF2B5EF4-FFF2-40B4-BE49-F238E27FC236}">
-                <a16:creationId xmlns:a16="http://schemas.microsoft.com/office/drawing/2014/main" id="{F658A863-ADE2-7939-FD4D-69034E873198}"/>
+                <a16:creationId xmlns:a16="http://schemas.microsoft.com/office/drawing/2014/main" id="{560B5A94-ADEE-DB25-934A-71CB950967DC}"/>
               </a:ext>
             </a:extLst>
           </p:cNvPr>
@@ -290,7 +290,7 @@
           <p:cNvPr id="6" name="灯片编号占位符 5">
             <a:extLst>
               <a:ext uri="{FF2B5EF4-FFF2-40B4-BE49-F238E27FC236}">
-                <a16:creationId xmlns:a16="http://schemas.microsoft.com/office/drawing/2014/main" id="{17B0E705-8996-F78B-6A9D-5825F46C4E47}"/>
+                <a16:creationId xmlns:a16="http://schemas.microsoft.com/office/drawing/2014/main" id="{FBC8C89A-BBDD-38B3-7AA2-9B004E304FE8}"/>
               </a:ext>
             </a:extLst>
           </p:cNvPr>
@@ -306,7 +306,7 @@
           <a:bodyPr/>
           <a:lstStyle/>
           <a:p>
-            <a:fld id="{77E899D2-9BDD-4C57-B604-1674D8DD8158}" type="slidenum">
+            <a:fld id="{B4A32DB0-82EE-4E78-A0E6-9F3771FBA59F}" type="slidenum">
               <a:rPr lang="zh-CN" altLang="en-US" smtClean="0"/>
               <a:t>‹#›</a:t>
             </a:fld>
@@ -317,7 +317,7 @@
     </p:spTree>
     <p:extLst>
       <p:ext uri="{BB962C8B-B14F-4D97-AF65-F5344CB8AC3E}">
-        <p14:creationId xmlns:p14="http://schemas.microsoft.com/office/powerpoint/2010/main" val="394303948"/>
+        <p14:creationId xmlns:p14="http://schemas.microsoft.com/office/powerpoint/2010/main" val="1740716490"/>
       </p:ext>
     </p:extLst>
   </p:cSld>
@@ -349,7 +349,7 @@
           <p:cNvPr id="2" name="标题 1">
             <a:extLst>
               <a:ext uri="{FF2B5EF4-FFF2-40B4-BE49-F238E27FC236}">
-                <a16:creationId xmlns:a16="http://schemas.microsoft.com/office/drawing/2014/main" id="{F0E0C309-9764-907F-7004-A3B3098C97FD}"/>
+                <a16:creationId xmlns:a16="http://schemas.microsoft.com/office/drawing/2014/main" id="{B94621BB-6082-9DC1-5A4C-3C840874BD0C}"/>
               </a:ext>
             </a:extLst>
           </p:cNvPr>
@@ -377,7 +377,7 @@
           <p:cNvPr id="3" name="竖排文字占位符 2">
             <a:extLst>
               <a:ext uri="{FF2B5EF4-FFF2-40B4-BE49-F238E27FC236}">
-                <a16:creationId xmlns:a16="http://schemas.microsoft.com/office/drawing/2014/main" id="{84911F3E-ADF5-736B-D565-42184AEEB923}"/>
+                <a16:creationId xmlns:a16="http://schemas.microsoft.com/office/drawing/2014/main" id="{CDFCBAB7-B46A-B420-56A4-A06B9654BDF3}"/>
               </a:ext>
             </a:extLst>
           </p:cNvPr>
@@ -434,7 +434,7 @@
           <p:cNvPr id="4" name="日期占位符 3">
             <a:extLst>
               <a:ext uri="{FF2B5EF4-FFF2-40B4-BE49-F238E27FC236}">
-                <a16:creationId xmlns:a16="http://schemas.microsoft.com/office/drawing/2014/main" id="{8AFDF40C-E184-AF68-795F-2EE6B08133A7}"/>
+                <a16:creationId xmlns:a16="http://schemas.microsoft.com/office/drawing/2014/main" id="{24ABC7A2-9958-D1FD-6D10-BEB2C1ACE664}"/>
               </a:ext>
             </a:extLst>
           </p:cNvPr>
@@ -450,7 +450,7 @@
           <a:bodyPr/>
           <a:lstStyle/>
           <a:p>
-            <a:fld id="{D8D504A2-9C3D-4E2D-819F-401D128FA7BC}" type="datetimeFigureOut">
+            <a:fld id="{A39AB41A-B348-4CA7-83F0-BA381DD76654}" type="datetimeFigureOut">
               <a:rPr lang="zh-CN" altLang="en-US" smtClean="0"/>
               <a:t>2024/3/10</a:t>
             </a:fld>
@@ -463,7 +463,7 @@
           <p:cNvPr id="5" name="页脚占位符 4">
             <a:extLst>
               <a:ext uri="{FF2B5EF4-FFF2-40B4-BE49-F238E27FC236}">
-                <a16:creationId xmlns:a16="http://schemas.microsoft.com/office/drawing/2014/main" id="{2141A9A0-2194-659A-1F94-CA96E6FFCA51}"/>
+                <a16:creationId xmlns:a16="http://schemas.microsoft.com/office/drawing/2014/main" id="{F2C55427-24C1-05F3-7ED5-4538A2F836C9}"/>
               </a:ext>
             </a:extLst>
           </p:cNvPr>
@@ -488,7 +488,7 @@
           <p:cNvPr id="6" name="灯片编号占位符 5">
             <a:extLst>
               <a:ext uri="{FF2B5EF4-FFF2-40B4-BE49-F238E27FC236}">
-                <a16:creationId xmlns:a16="http://schemas.microsoft.com/office/drawing/2014/main" id="{E1F80969-F630-F87C-C2B9-372AFE681E9A}"/>
+                <a16:creationId xmlns:a16="http://schemas.microsoft.com/office/drawing/2014/main" id="{C9215BBA-DF3A-18C7-3FA5-AAE126F06B40}"/>
               </a:ext>
             </a:extLst>
           </p:cNvPr>
@@ -504,7 +504,7 @@
           <a:bodyPr/>
           <a:lstStyle/>
           <a:p>
-            <a:fld id="{77E899D2-9BDD-4C57-B604-1674D8DD8158}" type="slidenum">
+            <a:fld id="{B4A32DB0-82EE-4E78-A0E6-9F3771FBA59F}" type="slidenum">
               <a:rPr lang="zh-CN" altLang="en-US" smtClean="0"/>
               <a:t>‹#›</a:t>
             </a:fld>
@@ -515,7 +515,7 @@
     </p:spTree>
     <p:extLst>
       <p:ext uri="{BB962C8B-B14F-4D97-AF65-F5344CB8AC3E}">
-        <p14:creationId xmlns:p14="http://schemas.microsoft.com/office/powerpoint/2010/main" val="2072515545"/>
+        <p14:creationId xmlns:p14="http://schemas.microsoft.com/office/powerpoint/2010/main" val="298689007"/>
       </p:ext>
     </p:extLst>
   </p:cSld>
@@ -547,7 +547,7 @@
           <p:cNvPr id="2" name="竖排标题 1">
             <a:extLst>
               <a:ext uri="{FF2B5EF4-FFF2-40B4-BE49-F238E27FC236}">
-                <a16:creationId xmlns:a16="http://schemas.microsoft.com/office/drawing/2014/main" id="{B5F7AE58-0960-5469-34BA-8B1A3F2411AA}"/>
+                <a16:creationId xmlns:a16="http://schemas.microsoft.com/office/drawing/2014/main" id="{2EAE0C93-4C08-5303-1459-3DAC000EDE5F}"/>
               </a:ext>
             </a:extLst>
           </p:cNvPr>
@@ -580,7 +580,7 @@
           <p:cNvPr id="3" name="竖排文字占位符 2">
             <a:extLst>
               <a:ext uri="{FF2B5EF4-FFF2-40B4-BE49-F238E27FC236}">
-                <a16:creationId xmlns:a16="http://schemas.microsoft.com/office/drawing/2014/main" id="{6FFBC1E2-290A-3FBF-1EE4-FACDE8DF1B15}"/>
+                <a16:creationId xmlns:a16="http://schemas.microsoft.com/office/drawing/2014/main" id="{362DE718-F224-70E9-2586-69FE4E4D35C1}"/>
               </a:ext>
             </a:extLst>
           </p:cNvPr>
@@ -642,7 +642,7 @@
           <p:cNvPr id="4" name="日期占位符 3">
             <a:extLst>
               <a:ext uri="{FF2B5EF4-FFF2-40B4-BE49-F238E27FC236}">
-                <a16:creationId xmlns:a16="http://schemas.microsoft.com/office/drawing/2014/main" id="{858D85BA-7CCE-1DDA-04D9-141C4ACCDE9A}"/>
+                <a16:creationId xmlns:a16="http://schemas.microsoft.com/office/drawing/2014/main" id="{9B1CC8B2-6582-1BEF-73C1-858846C71BB4}"/>
               </a:ext>
             </a:extLst>
           </p:cNvPr>
@@ -658,7 +658,7 @@
           <a:bodyPr/>
           <a:lstStyle/>
           <a:p>
-            <a:fld id="{D8D504A2-9C3D-4E2D-819F-401D128FA7BC}" type="datetimeFigureOut">
+            <a:fld id="{A39AB41A-B348-4CA7-83F0-BA381DD76654}" type="datetimeFigureOut">
               <a:rPr lang="zh-CN" altLang="en-US" smtClean="0"/>
               <a:t>2024/3/10</a:t>
             </a:fld>
@@ -671,7 +671,7 @@
           <p:cNvPr id="5" name="页脚占位符 4">
             <a:extLst>
               <a:ext uri="{FF2B5EF4-FFF2-40B4-BE49-F238E27FC236}">
-                <a16:creationId xmlns:a16="http://schemas.microsoft.com/office/drawing/2014/main" id="{27455140-92BA-3F83-7C0A-3414D0FCCCAB}"/>
+                <a16:creationId xmlns:a16="http://schemas.microsoft.com/office/drawing/2014/main" id="{3430E41D-E1F3-F205-A61E-2884049133A5}"/>
               </a:ext>
             </a:extLst>
           </p:cNvPr>
@@ -696,7 +696,7 @@
           <p:cNvPr id="6" name="灯片编号占位符 5">
             <a:extLst>
               <a:ext uri="{FF2B5EF4-FFF2-40B4-BE49-F238E27FC236}">
-                <a16:creationId xmlns:a16="http://schemas.microsoft.com/office/drawing/2014/main" id="{A68904A6-C4D5-1A49-786C-516E9ACD89A2}"/>
+                <a16:creationId xmlns:a16="http://schemas.microsoft.com/office/drawing/2014/main" id="{A88838F6-936B-B90E-FE4E-B80163A28BD3}"/>
               </a:ext>
             </a:extLst>
           </p:cNvPr>
@@ -712,7 +712,7 @@
           <a:bodyPr/>
           <a:lstStyle/>
           <a:p>
-            <a:fld id="{77E899D2-9BDD-4C57-B604-1674D8DD8158}" type="slidenum">
+            <a:fld id="{B4A32DB0-82EE-4E78-A0E6-9F3771FBA59F}" type="slidenum">
               <a:rPr lang="zh-CN" altLang="en-US" smtClean="0"/>
               <a:t>‹#›</a:t>
             </a:fld>
@@ -723,7 +723,7 @@
     </p:spTree>
     <p:extLst>
       <p:ext uri="{BB962C8B-B14F-4D97-AF65-F5344CB8AC3E}">
-        <p14:creationId xmlns:p14="http://schemas.microsoft.com/office/powerpoint/2010/main" val="582507302"/>
+        <p14:creationId xmlns:p14="http://schemas.microsoft.com/office/powerpoint/2010/main" val="3870151194"/>
       </p:ext>
     </p:extLst>
   </p:cSld>
@@ -755,7 +755,7 @@
           <p:cNvPr id="2" name="标题 1">
             <a:extLst>
               <a:ext uri="{FF2B5EF4-FFF2-40B4-BE49-F238E27FC236}">
-                <a16:creationId xmlns:a16="http://schemas.microsoft.com/office/drawing/2014/main" id="{BDDBE95F-E24B-72A2-1C53-AE86DA137502}"/>
+                <a16:creationId xmlns:a16="http://schemas.microsoft.com/office/drawing/2014/main" id="{51021990-1288-9681-48EF-13F64D89E9C0}"/>
               </a:ext>
             </a:extLst>
           </p:cNvPr>
@@ -783,7 +783,7 @@
           <p:cNvPr id="3" name="内容占位符 2">
             <a:extLst>
               <a:ext uri="{FF2B5EF4-FFF2-40B4-BE49-F238E27FC236}">
-                <a16:creationId xmlns:a16="http://schemas.microsoft.com/office/drawing/2014/main" id="{83EDC2A6-10DC-5FF6-297E-1CF4BD8ED862}"/>
+                <a16:creationId xmlns:a16="http://schemas.microsoft.com/office/drawing/2014/main" id="{C1F5DAFB-C6F5-64AC-3B78-3882BAE2572B}"/>
               </a:ext>
             </a:extLst>
           </p:cNvPr>
@@ -840,7 +840,7 @@
           <p:cNvPr id="4" name="日期占位符 3">
             <a:extLst>
               <a:ext uri="{FF2B5EF4-FFF2-40B4-BE49-F238E27FC236}">
-                <a16:creationId xmlns:a16="http://schemas.microsoft.com/office/drawing/2014/main" id="{052BD44D-A5FB-D757-2B9A-D48A187BA9D9}"/>
+                <a16:creationId xmlns:a16="http://schemas.microsoft.com/office/drawing/2014/main" id="{BF190668-9E16-0435-EBB8-6C4EFE275DC6}"/>
               </a:ext>
             </a:extLst>
           </p:cNvPr>
@@ -856,7 +856,7 @@
           <a:bodyPr/>
           <a:lstStyle/>
           <a:p>
-            <a:fld id="{D8D504A2-9C3D-4E2D-819F-401D128FA7BC}" type="datetimeFigureOut">
+            <a:fld id="{A39AB41A-B348-4CA7-83F0-BA381DD76654}" type="datetimeFigureOut">
               <a:rPr lang="zh-CN" altLang="en-US" smtClean="0"/>
               <a:t>2024/3/10</a:t>
             </a:fld>
@@ -869,7 +869,7 @@
           <p:cNvPr id="5" name="页脚占位符 4">
             <a:extLst>
               <a:ext uri="{FF2B5EF4-FFF2-40B4-BE49-F238E27FC236}">
-                <a16:creationId xmlns:a16="http://schemas.microsoft.com/office/drawing/2014/main" id="{F97892A8-C311-8BAB-77D6-5C7F502A3326}"/>
+                <a16:creationId xmlns:a16="http://schemas.microsoft.com/office/drawing/2014/main" id="{B996603E-D33C-27D3-C8F3-C78CC4852418}"/>
               </a:ext>
             </a:extLst>
           </p:cNvPr>
@@ -894,7 +894,7 @@
           <p:cNvPr id="6" name="灯片编号占位符 5">
             <a:extLst>
               <a:ext uri="{FF2B5EF4-FFF2-40B4-BE49-F238E27FC236}">
-                <a16:creationId xmlns:a16="http://schemas.microsoft.com/office/drawing/2014/main" id="{47DABCA3-2D81-4908-D530-0EB112FF5DE8}"/>
+                <a16:creationId xmlns:a16="http://schemas.microsoft.com/office/drawing/2014/main" id="{F2F7178E-72E3-0423-0793-4343D9074042}"/>
               </a:ext>
             </a:extLst>
           </p:cNvPr>
@@ -910,7 +910,7 @@
           <a:bodyPr/>
           <a:lstStyle/>
           <a:p>
-            <a:fld id="{77E899D2-9BDD-4C57-B604-1674D8DD8158}" type="slidenum">
+            <a:fld id="{B4A32DB0-82EE-4E78-A0E6-9F3771FBA59F}" type="slidenum">
               <a:rPr lang="zh-CN" altLang="en-US" smtClean="0"/>
               <a:t>‹#›</a:t>
             </a:fld>
@@ -921,7 +921,7 @@
     </p:spTree>
     <p:extLst>
       <p:ext uri="{BB962C8B-B14F-4D97-AF65-F5344CB8AC3E}">
-        <p14:creationId xmlns:p14="http://schemas.microsoft.com/office/powerpoint/2010/main" val="160282041"/>
+        <p14:creationId xmlns:p14="http://schemas.microsoft.com/office/powerpoint/2010/main" val="3630115972"/>
       </p:ext>
     </p:extLst>
   </p:cSld>
@@ -953,7 +953,7 @@
           <p:cNvPr id="2" name="标题 1">
             <a:extLst>
               <a:ext uri="{FF2B5EF4-FFF2-40B4-BE49-F238E27FC236}">
-                <a16:creationId xmlns:a16="http://schemas.microsoft.com/office/drawing/2014/main" id="{12523B04-C83E-3250-B11C-38BD8F7277D6}"/>
+                <a16:creationId xmlns:a16="http://schemas.microsoft.com/office/drawing/2014/main" id="{B89136E0-0F0B-E83A-BDDE-D10FEFFCF497}"/>
               </a:ext>
             </a:extLst>
           </p:cNvPr>
@@ -990,7 +990,7 @@
           <p:cNvPr id="3" name="文本占位符 2">
             <a:extLst>
               <a:ext uri="{FF2B5EF4-FFF2-40B4-BE49-F238E27FC236}">
-                <a16:creationId xmlns:a16="http://schemas.microsoft.com/office/drawing/2014/main" id="{BF6E49E1-9B80-C035-5DC2-2F10CC2D5A80}"/>
+                <a16:creationId xmlns:a16="http://schemas.microsoft.com/office/drawing/2014/main" id="{B1B4EF0D-4596-5818-E22D-B84EBB924051}"/>
               </a:ext>
             </a:extLst>
           </p:cNvPr>
@@ -1115,7 +1115,7 @@
           <p:cNvPr id="4" name="日期占位符 3">
             <a:extLst>
               <a:ext uri="{FF2B5EF4-FFF2-40B4-BE49-F238E27FC236}">
-                <a16:creationId xmlns:a16="http://schemas.microsoft.com/office/drawing/2014/main" id="{B0DEBE79-22FA-BAD8-6262-FC3186640CED}"/>
+                <a16:creationId xmlns:a16="http://schemas.microsoft.com/office/drawing/2014/main" id="{E68FB21E-B46C-9A9C-78D7-D25BF38BF10A}"/>
               </a:ext>
             </a:extLst>
           </p:cNvPr>
@@ -1131,7 +1131,7 @@
           <a:bodyPr/>
           <a:lstStyle/>
           <a:p>
-            <a:fld id="{D8D504A2-9C3D-4E2D-819F-401D128FA7BC}" type="datetimeFigureOut">
+            <a:fld id="{A39AB41A-B348-4CA7-83F0-BA381DD76654}" type="datetimeFigureOut">
               <a:rPr lang="zh-CN" altLang="en-US" smtClean="0"/>
               <a:t>2024/3/10</a:t>
             </a:fld>
@@ -1144,7 +1144,7 @@
           <p:cNvPr id="5" name="页脚占位符 4">
             <a:extLst>
               <a:ext uri="{FF2B5EF4-FFF2-40B4-BE49-F238E27FC236}">
-                <a16:creationId xmlns:a16="http://schemas.microsoft.com/office/drawing/2014/main" id="{9AD5CFFD-3E87-AB3D-A9A9-F712B9FCF325}"/>
+                <a16:creationId xmlns:a16="http://schemas.microsoft.com/office/drawing/2014/main" id="{7A237AC7-84CE-9FD3-49DF-A86A5A7659FA}"/>
               </a:ext>
             </a:extLst>
           </p:cNvPr>
@@ -1169,7 +1169,7 @@
           <p:cNvPr id="6" name="灯片编号占位符 5">
             <a:extLst>
               <a:ext uri="{FF2B5EF4-FFF2-40B4-BE49-F238E27FC236}">
-                <a16:creationId xmlns:a16="http://schemas.microsoft.com/office/drawing/2014/main" id="{F6A8AE55-80EE-AA84-ACEB-2E3629DAB68C}"/>
+                <a16:creationId xmlns:a16="http://schemas.microsoft.com/office/drawing/2014/main" id="{281B67DF-DFF0-1D9D-F260-9E565A94A21C}"/>
               </a:ext>
             </a:extLst>
           </p:cNvPr>
@@ -1185,7 +1185,7 @@
           <a:bodyPr/>
           <a:lstStyle/>
           <a:p>
-            <a:fld id="{77E899D2-9BDD-4C57-B604-1674D8DD8158}" type="slidenum">
+            <a:fld id="{B4A32DB0-82EE-4E78-A0E6-9F3771FBA59F}" type="slidenum">
               <a:rPr lang="zh-CN" altLang="en-US" smtClean="0"/>
               <a:t>‹#›</a:t>
             </a:fld>
@@ -1196,7 +1196,7 @@
     </p:spTree>
     <p:extLst>
       <p:ext uri="{BB962C8B-B14F-4D97-AF65-F5344CB8AC3E}">
-        <p14:creationId xmlns:p14="http://schemas.microsoft.com/office/powerpoint/2010/main" val="1637197082"/>
+        <p14:creationId xmlns:p14="http://schemas.microsoft.com/office/powerpoint/2010/main" val="2318785764"/>
       </p:ext>
     </p:extLst>
   </p:cSld>
@@ -1228,7 +1228,7 @@
           <p:cNvPr id="2" name="标题 1">
             <a:extLst>
               <a:ext uri="{FF2B5EF4-FFF2-40B4-BE49-F238E27FC236}">
-                <a16:creationId xmlns:a16="http://schemas.microsoft.com/office/drawing/2014/main" id="{9136CECF-51FA-C8BE-3B25-5FFCEA758360}"/>
+                <a16:creationId xmlns:a16="http://schemas.microsoft.com/office/drawing/2014/main" id="{5CEBA777-7CA6-D63A-E8F5-F960566C6735}"/>
               </a:ext>
             </a:extLst>
           </p:cNvPr>
@@ -1256,7 +1256,7 @@
           <p:cNvPr id="3" name="内容占位符 2">
             <a:extLst>
               <a:ext uri="{FF2B5EF4-FFF2-40B4-BE49-F238E27FC236}">
-                <a16:creationId xmlns:a16="http://schemas.microsoft.com/office/drawing/2014/main" id="{E2D9D779-3D23-1EC9-092A-3B90AD940009}"/>
+                <a16:creationId xmlns:a16="http://schemas.microsoft.com/office/drawing/2014/main" id="{C619FF80-413D-C048-6B2E-57250E6B0899}"/>
               </a:ext>
             </a:extLst>
           </p:cNvPr>
@@ -1318,7 +1318,7 @@
           <p:cNvPr id="4" name="内容占位符 3">
             <a:extLst>
               <a:ext uri="{FF2B5EF4-FFF2-40B4-BE49-F238E27FC236}">
-                <a16:creationId xmlns:a16="http://schemas.microsoft.com/office/drawing/2014/main" id="{4BE3E9E7-BA90-2E97-E1F2-A5ABC9768210}"/>
+                <a16:creationId xmlns:a16="http://schemas.microsoft.com/office/drawing/2014/main" id="{584DE549-A22C-85FA-4DB1-0BB2091F6322}"/>
               </a:ext>
             </a:extLst>
           </p:cNvPr>
@@ -1380,7 +1380,7 @@
           <p:cNvPr id="5" name="日期占位符 4">
             <a:extLst>
               <a:ext uri="{FF2B5EF4-FFF2-40B4-BE49-F238E27FC236}">
-                <a16:creationId xmlns:a16="http://schemas.microsoft.com/office/drawing/2014/main" id="{40D94989-7E76-E3ED-D8B3-FE8F2098AB38}"/>
+                <a16:creationId xmlns:a16="http://schemas.microsoft.com/office/drawing/2014/main" id="{B9713156-6D12-69AB-ED21-5AAA72708CFC}"/>
               </a:ext>
             </a:extLst>
           </p:cNvPr>
@@ -1396,7 +1396,7 @@
           <a:bodyPr/>
           <a:lstStyle/>
           <a:p>
-            <a:fld id="{D8D504A2-9C3D-4E2D-819F-401D128FA7BC}" type="datetimeFigureOut">
+            <a:fld id="{A39AB41A-B348-4CA7-83F0-BA381DD76654}" type="datetimeFigureOut">
               <a:rPr lang="zh-CN" altLang="en-US" smtClean="0"/>
               <a:t>2024/3/10</a:t>
             </a:fld>
@@ -1409,7 +1409,7 @@
           <p:cNvPr id="6" name="页脚占位符 5">
             <a:extLst>
               <a:ext uri="{FF2B5EF4-FFF2-40B4-BE49-F238E27FC236}">
-                <a16:creationId xmlns:a16="http://schemas.microsoft.com/office/drawing/2014/main" id="{9595FA4B-88F7-CAC4-1449-6BEF7917711D}"/>
+                <a16:creationId xmlns:a16="http://schemas.microsoft.com/office/drawing/2014/main" id="{6076457E-0CBD-5284-CB69-14FE3BD7DBB0}"/>
               </a:ext>
             </a:extLst>
           </p:cNvPr>
@@ -1434,7 +1434,7 @@
           <p:cNvPr id="7" name="灯片编号占位符 6">
             <a:extLst>
               <a:ext uri="{FF2B5EF4-FFF2-40B4-BE49-F238E27FC236}">
-                <a16:creationId xmlns:a16="http://schemas.microsoft.com/office/drawing/2014/main" id="{A88953FA-8DB2-F8E9-5040-CD4995E80968}"/>
+                <a16:creationId xmlns:a16="http://schemas.microsoft.com/office/drawing/2014/main" id="{D3658CA0-DBA2-B296-87CD-B7FE0B8FD0EC}"/>
               </a:ext>
             </a:extLst>
           </p:cNvPr>
@@ -1450,7 +1450,7 @@
           <a:bodyPr/>
           <a:lstStyle/>
           <a:p>
-            <a:fld id="{77E899D2-9BDD-4C57-B604-1674D8DD8158}" type="slidenum">
+            <a:fld id="{B4A32DB0-82EE-4E78-A0E6-9F3771FBA59F}" type="slidenum">
               <a:rPr lang="zh-CN" altLang="en-US" smtClean="0"/>
               <a:t>‹#›</a:t>
             </a:fld>
@@ -1461,7 +1461,7 @@
     </p:spTree>
     <p:extLst>
       <p:ext uri="{BB962C8B-B14F-4D97-AF65-F5344CB8AC3E}">
-        <p14:creationId xmlns:p14="http://schemas.microsoft.com/office/powerpoint/2010/main" val="95617383"/>
+        <p14:creationId xmlns:p14="http://schemas.microsoft.com/office/powerpoint/2010/main" val="3579743543"/>
       </p:ext>
     </p:extLst>
   </p:cSld>
@@ -1493,7 +1493,7 @@
           <p:cNvPr id="2" name="标题 1">
             <a:extLst>
               <a:ext uri="{FF2B5EF4-FFF2-40B4-BE49-F238E27FC236}">
-                <a16:creationId xmlns:a16="http://schemas.microsoft.com/office/drawing/2014/main" id="{5133143F-DEE4-7697-DEDC-5A40E3A7644D}"/>
+                <a16:creationId xmlns:a16="http://schemas.microsoft.com/office/drawing/2014/main" id="{F9A76C49-1358-6479-9E44-AEEA194AFE2F}"/>
               </a:ext>
             </a:extLst>
           </p:cNvPr>
@@ -1526,7 +1526,7 @@
           <p:cNvPr id="3" name="文本占位符 2">
             <a:extLst>
               <a:ext uri="{FF2B5EF4-FFF2-40B4-BE49-F238E27FC236}">
-                <a16:creationId xmlns:a16="http://schemas.microsoft.com/office/drawing/2014/main" id="{0A6CE2A8-43B0-4702-41C2-65234251A127}"/>
+                <a16:creationId xmlns:a16="http://schemas.microsoft.com/office/drawing/2014/main" id="{6B94DD87-C0F2-115A-7735-2945CFE121A1}"/>
               </a:ext>
             </a:extLst>
           </p:cNvPr>
@@ -1597,7 +1597,7 @@
           <p:cNvPr id="4" name="内容占位符 3">
             <a:extLst>
               <a:ext uri="{FF2B5EF4-FFF2-40B4-BE49-F238E27FC236}">
-                <a16:creationId xmlns:a16="http://schemas.microsoft.com/office/drawing/2014/main" id="{DB3765B1-191F-E480-1F72-1CB40FA11C9D}"/>
+                <a16:creationId xmlns:a16="http://schemas.microsoft.com/office/drawing/2014/main" id="{29F2FFC3-C188-847B-0739-6BCAAC774CAE}"/>
               </a:ext>
             </a:extLst>
           </p:cNvPr>
@@ -1659,7 +1659,7 @@
           <p:cNvPr id="5" name="文本占位符 4">
             <a:extLst>
               <a:ext uri="{FF2B5EF4-FFF2-40B4-BE49-F238E27FC236}">
-                <a16:creationId xmlns:a16="http://schemas.microsoft.com/office/drawing/2014/main" id="{62742404-2627-2C44-EA74-D7821FAEE825}"/>
+                <a16:creationId xmlns:a16="http://schemas.microsoft.com/office/drawing/2014/main" id="{8ECA2302-ADC7-C6B2-2B65-D52207A62DD6}"/>
               </a:ext>
             </a:extLst>
           </p:cNvPr>
@@ -1730,7 +1730,7 @@
           <p:cNvPr id="6" name="内容占位符 5">
             <a:extLst>
               <a:ext uri="{FF2B5EF4-FFF2-40B4-BE49-F238E27FC236}">
-                <a16:creationId xmlns:a16="http://schemas.microsoft.com/office/drawing/2014/main" id="{87CDC3C3-AEC1-8C75-5C49-9E55AAE73F2A}"/>
+                <a16:creationId xmlns:a16="http://schemas.microsoft.com/office/drawing/2014/main" id="{6652A650-C6DA-DB94-EFD4-3D255011D173}"/>
               </a:ext>
             </a:extLst>
           </p:cNvPr>
@@ -1792,7 +1792,7 @@
           <p:cNvPr id="7" name="日期占位符 6">
             <a:extLst>
               <a:ext uri="{FF2B5EF4-FFF2-40B4-BE49-F238E27FC236}">
-                <a16:creationId xmlns:a16="http://schemas.microsoft.com/office/drawing/2014/main" id="{AC792731-AC70-229E-5057-203DB6937585}"/>
+                <a16:creationId xmlns:a16="http://schemas.microsoft.com/office/drawing/2014/main" id="{B236B5C3-2D90-5EC9-2A76-4863081EBE23}"/>
               </a:ext>
             </a:extLst>
           </p:cNvPr>
@@ -1808,7 +1808,7 @@
           <a:bodyPr/>
           <a:lstStyle/>
           <a:p>
-            <a:fld id="{D8D504A2-9C3D-4E2D-819F-401D128FA7BC}" type="datetimeFigureOut">
+            <a:fld id="{A39AB41A-B348-4CA7-83F0-BA381DD76654}" type="datetimeFigureOut">
               <a:rPr lang="zh-CN" altLang="en-US" smtClean="0"/>
               <a:t>2024/3/10</a:t>
             </a:fld>
@@ -1821,7 +1821,7 @@
           <p:cNvPr id="8" name="页脚占位符 7">
             <a:extLst>
               <a:ext uri="{FF2B5EF4-FFF2-40B4-BE49-F238E27FC236}">
-                <a16:creationId xmlns:a16="http://schemas.microsoft.com/office/drawing/2014/main" id="{530B9162-B4F8-2DC7-3E05-81B8619F1226}"/>
+                <a16:creationId xmlns:a16="http://schemas.microsoft.com/office/drawing/2014/main" id="{E451FAC8-DDDC-6BE2-1D62-C6481A8DCC0D}"/>
               </a:ext>
             </a:extLst>
           </p:cNvPr>
@@ -1846,7 +1846,7 @@
           <p:cNvPr id="9" name="灯片编号占位符 8">
             <a:extLst>
               <a:ext uri="{FF2B5EF4-FFF2-40B4-BE49-F238E27FC236}">
-                <a16:creationId xmlns:a16="http://schemas.microsoft.com/office/drawing/2014/main" id="{B72B5D26-3CAF-7618-3E35-B0B3503422BC}"/>
+                <a16:creationId xmlns:a16="http://schemas.microsoft.com/office/drawing/2014/main" id="{7BF204E5-AFE4-218E-FAA2-57C9C76C812E}"/>
               </a:ext>
             </a:extLst>
           </p:cNvPr>
@@ -1862,7 +1862,7 @@
           <a:bodyPr/>
           <a:lstStyle/>
           <a:p>
-            <a:fld id="{77E899D2-9BDD-4C57-B604-1674D8DD8158}" type="slidenum">
+            <a:fld id="{B4A32DB0-82EE-4E78-A0E6-9F3771FBA59F}" type="slidenum">
               <a:rPr lang="zh-CN" altLang="en-US" smtClean="0"/>
               <a:t>‹#›</a:t>
             </a:fld>
@@ -1873,7 +1873,7 @@
     </p:spTree>
     <p:extLst>
       <p:ext uri="{BB962C8B-B14F-4D97-AF65-F5344CB8AC3E}">
-        <p14:creationId xmlns:p14="http://schemas.microsoft.com/office/powerpoint/2010/main" val="2473474506"/>
+        <p14:creationId xmlns:p14="http://schemas.microsoft.com/office/powerpoint/2010/main" val="2853900303"/>
       </p:ext>
     </p:extLst>
   </p:cSld>
@@ -1905,7 +1905,7 @@
           <p:cNvPr id="2" name="标题 1">
             <a:extLst>
               <a:ext uri="{FF2B5EF4-FFF2-40B4-BE49-F238E27FC236}">
-                <a16:creationId xmlns:a16="http://schemas.microsoft.com/office/drawing/2014/main" id="{AB170145-BC9B-CF1B-B903-79D505644865}"/>
+                <a16:creationId xmlns:a16="http://schemas.microsoft.com/office/drawing/2014/main" id="{F575E714-DB96-95CA-9BCD-BC9C3806CB3B}"/>
               </a:ext>
             </a:extLst>
           </p:cNvPr>
@@ -1933,7 +1933,7 @@
           <p:cNvPr id="3" name="日期占位符 2">
             <a:extLst>
               <a:ext uri="{FF2B5EF4-FFF2-40B4-BE49-F238E27FC236}">
-                <a16:creationId xmlns:a16="http://schemas.microsoft.com/office/drawing/2014/main" id="{F9AE4FC3-9D23-0C7D-69A0-FFE94C7A15AA}"/>
+                <a16:creationId xmlns:a16="http://schemas.microsoft.com/office/drawing/2014/main" id="{AEC21976-1D5C-92D5-832E-719EDBA9A4DC}"/>
               </a:ext>
             </a:extLst>
           </p:cNvPr>
@@ -1949,7 +1949,7 @@
           <a:bodyPr/>
           <a:lstStyle/>
           <a:p>
-            <a:fld id="{D8D504A2-9C3D-4E2D-819F-401D128FA7BC}" type="datetimeFigureOut">
+            <a:fld id="{A39AB41A-B348-4CA7-83F0-BA381DD76654}" type="datetimeFigureOut">
               <a:rPr lang="zh-CN" altLang="en-US" smtClean="0"/>
               <a:t>2024/3/10</a:t>
             </a:fld>
@@ -1962,7 +1962,7 @@
           <p:cNvPr id="4" name="页脚占位符 3">
             <a:extLst>
               <a:ext uri="{FF2B5EF4-FFF2-40B4-BE49-F238E27FC236}">
-                <a16:creationId xmlns:a16="http://schemas.microsoft.com/office/drawing/2014/main" id="{64F0BC58-398B-25EC-7088-BE08FD98008D}"/>
+                <a16:creationId xmlns:a16="http://schemas.microsoft.com/office/drawing/2014/main" id="{12AE2DF1-B1F2-EEA1-66E8-460A8D2540B4}"/>
               </a:ext>
             </a:extLst>
           </p:cNvPr>
@@ -1987,7 +1987,7 @@
           <p:cNvPr id="5" name="灯片编号占位符 4">
             <a:extLst>
               <a:ext uri="{FF2B5EF4-FFF2-40B4-BE49-F238E27FC236}">
-                <a16:creationId xmlns:a16="http://schemas.microsoft.com/office/drawing/2014/main" id="{D895289D-6DDB-A402-2F7C-C7A8E43780E8}"/>
+                <a16:creationId xmlns:a16="http://schemas.microsoft.com/office/drawing/2014/main" id="{273A8299-0E50-2361-BA40-4F16C9A6B25F}"/>
               </a:ext>
             </a:extLst>
           </p:cNvPr>
@@ -2003,7 +2003,7 @@
           <a:bodyPr/>
           <a:lstStyle/>
           <a:p>
-            <a:fld id="{77E899D2-9BDD-4C57-B604-1674D8DD8158}" type="slidenum">
+            <a:fld id="{B4A32DB0-82EE-4E78-A0E6-9F3771FBA59F}" type="slidenum">
               <a:rPr lang="zh-CN" altLang="en-US" smtClean="0"/>
               <a:t>‹#›</a:t>
             </a:fld>
@@ -2014,7 +2014,7 @@
     </p:spTree>
     <p:extLst>
       <p:ext uri="{BB962C8B-B14F-4D97-AF65-F5344CB8AC3E}">
-        <p14:creationId xmlns:p14="http://schemas.microsoft.com/office/powerpoint/2010/main" val="1483723864"/>
+        <p14:creationId xmlns:p14="http://schemas.microsoft.com/office/powerpoint/2010/main" val="2997764281"/>
       </p:ext>
     </p:extLst>
   </p:cSld>
@@ -2046,7 +2046,7 @@
           <p:cNvPr id="2" name="日期占位符 1">
             <a:extLst>
               <a:ext uri="{FF2B5EF4-FFF2-40B4-BE49-F238E27FC236}">
-                <a16:creationId xmlns:a16="http://schemas.microsoft.com/office/drawing/2014/main" id="{A23B02AE-0EFB-D5B5-5886-1B57F0741677}"/>
+                <a16:creationId xmlns:a16="http://schemas.microsoft.com/office/drawing/2014/main" id="{02114B49-AE8C-7E64-5AA6-149FAAACC698}"/>
               </a:ext>
             </a:extLst>
           </p:cNvPr>
@@ -2062,7 +2062,7 @@
           <a:bodyPr/>
           <a:lstStyle/>
           <a:p>
-            <a:fld id="{D8D504A2-9C3D-4E2D-819F-401D128FA7BC}" type="datetimeFigureOut">
+            <a:fld id="{A39AB41A-B348-4CA7-83F0-BA381DD76654}" type="datetimeFigureOut">
               <a:rPr lang="zh-CN" altLang="en-US" smtClean="0"/>
               <a:t>2024/3/10</a:t>
             </a:fld>
@@ -2075,7 +2075,7 @@
           <p:cNvPr id="3" name="页脚占位符 2">
             <a:extLst>
               <a:ext uri="{FF2B5EF4-FFF2-40B4-BE49-F238E27FC236}">
-                <a16:creationId xmlns:a16="http://schemas.microsoft.com/office/drawing/2014/main" id="{C3A8BA3F-B8D3-D596-BBBF-7476E62D3355}"/>
+                <a16:creationId xmlns:a16="http://schemas.microsoft.com/office/drawing/2014/main" id="{64174396-0F2E-0AC6-6286-23E807B2EC0A}"/>
               </a:ext>
             </a:extLst>
           </p:cNvPr>
@@ -2100,7 +2100,7 @@
           <p:cNvPr id="4" name="灯片编号占位符 3">
             <a:extLst>
               <a:ext uri="{FF2B5EF4-FFF2-40B4-BE49-F238E27FC236}">
-                <a16:creationId xmlns:a16="http://schemas.microsoft.com/office/drawing/2014/main" id="{ABA8714F-21FE-3522-0567-41D762F1E93D}"/>
+                <a16:creationId xmlns:a16="http://schemas.microsoft.com/office/drawing/2014/main" id="{E4232EBE-D6C8-9A0C-B726-0F0BB9201097}"/>
               </a:ext>
             </a:extLst>
           </p:cNvPr>
@@ -2116,7 +2116,7 @@
           <a:bodyPr/>
           <a:lstStyle/>
           <a:p>
-            <a:fld id="{77E899D2-9BDD-4C57-B604-1674D8DD8158}" type="slidenum">
+            <a:fld id="{B4A32DB0-82EE-4E78-A0E6-9F3771FBA59F}" type="slidenum">
               <a:rPr lang="zh-CN" altLang="en-US" smtClean="0"/>
               <a:t>‹#›</a:t>
             </a:fld>
@@ -2127,7 +2127,7 @@
     </p:spTree>
     <p:extLst>
       <p:ext uri="{BB962C8B-B14F-4D97-AF65-F5344CB8AC3E}">
-        <p14:creationId xmlns:p14="http://schemas.microsoft.com/office/powerpoint/2010/main" val="3709433136"/>
+        <p14:creationId xmlns:p14="http://schemas.microsoft.com/office/powerpoint/2010/main" val="3287090059"/>
       </p:ext>
     </p:extLst>
   </p:cSld>
@@ -2159,7 +2159,7 @@
           <p:cNvPr id="2" name="标题 1">
             <a:extLst>
               <a:ext uri="{FF2B5EF4-FFF2-40B4-BE49-F238E27FC236}">
-                <a16:creationId xmlns:a16="http://schemas.microsoft.com/office/drawing/2014/main" id="{0785476F-23AA-3C5C-4CA5-AA351F700A57}"/>
+                <a16:creationId xmlns:a16="http://schemas.microsoft.com/office/drawing/2014/main" id="{8CDF94B9-5811-9B13-34DF-9703EBCF4DFF}"/>
               </a:ext>
             </a:extLst>
           </p:cNvPr>
@@ -2196,7 +2196,7 @@
           <p:cNvPr id="3" name="内容占位符 2">
             <a:extLst>
               <a:ext uri="{FF2B5EF4-FFF2-40B4-BE49-F238E27FC236}">
-                <a16:creationId xmlns:a16="http://schemas.microsoft.com/office/drawing/2014/main" id="{1861CAB6-E886-371C-3969-B8E964365610}"/>
+                <a16:creationId xmlns:a16="http://schemas.microsoft.com/office/drawing/2014/main" id="{405D2CD8-8033-5659-4BA0-D0160D02D030}"/>
               </a:ext>
             </a:extLst>
           </p:cNvPr>
@@ -2286,7 +2286,7 @@
           <p:cNvPr id="4" name="文本占位符 3">
             <a:extLst>
               <a:ext uri="{FF2B5EF4-FFF2-40B4-BE49-F238E27FC236}">
-                <a16:creationId xmlns:a16="http://schemas.microsoft.com/office/drawing/2014/main" id="{28D8AD79-FC47-C6BE-EFF1-9967E87D96A2}"/>
+                <a16:creationId xmlns:a16="http://schemas.microsoft.com/office/drawing/2014/main" id="{F319B158-07EE-A921-81BB-A5D9791B2BB0}"/>
               </a:ext>
             </a:extLst>
           </p:cNvPr>
@@ -2357,7 +2357,7 @@
           <p:cNvPr id="5" name="日期占位符 4">
             <a:extLst>
               <a:ext uri="{FF2B5EF4-FFF2-40B4-BE49-F238E27FC236}">
-                <a16:creationId xmlns:a16="http://schemas.microsoft.com/office/drawing/2014/main" id="{A9763FCE-6A9A-8FFF-D8FE-28B6E9884653}"/>
+                <a16:creationId xmlns:a16="http://schemas.microsoft.com/office/drawing/2014/main" id="{128A7D0B-F9B3-B80C-07FF-A62FE32856C9}"/>
               </a:ext>
             </a:extLst>
           </p:cNvPr>
@@ -2373,7 +2373,7 @@
           <a:bodyPr/>
           <a:lstStyle/>
           <a:p>
-            <a:fld id="{D8D504A2-9C3D-4E2D-819F-401D128FA7BC}" type="datetimeFigureOut">
+            <a:fld id="{A39AB41A-B348-4CA7-83F0-BA381DD76654}" type="datetimeFigureOut">
               <a:rPr lang="zh-CN" altLang="en-US" smtClean="0"/>
               <a:t>2024/3/10</a:t>
             </a:fld>
@@ -2386,7 +2386,7 @@
           <p:cNvPr id="6" name="页脚占位符 5">
             <a:extLst>
               <a:ext uri="{FF2B5EF4-FFF2-40B4-BE49-F238E27FC236}">
-                <a16:creationId xmlns:a16="http://schemas.microsoft.com/office/drawing/2014/main" id="{362E96BA-C3EF-D83D-C1D1-AD4F874D3F82}"/>
+                <a16:creationId xmlns:a16="http://schemas.microsoft.com/office/drawing/2014/main" id="{C65109BE-9692-2C98-0AA1-5E741569FF3A}"/>
               </a:ext>
             </a:extLst>
           </p:cNvPr>
@@ -2411,7 +2411,7 @@
           <p:cNvPr id="7" name="灯片编号占位符 6">
             <a:extLst>
               <a:ext uri="{FF2B5EF4-FFF2-40B4-BE49-F238E27FC236}">
-                <a16:creationId xmlns:a16="http://schemas.microsoft.com/office/drawing/2014/main" id="{17518DCB-531F-88E8-446D-A8D9A9307602}"/>
+                <a16:creationId xmlns:a16="http://schemas.microsoft.com/office/drawing/2014/main" id="{106DF81F-8F1C-52B4-BB0B-3DCDE5B61FA5}"/>
               </a:ext>
             </a:extLst>
           </p:cNvPr>
@@ -2427,7 +2427,7 @@
           <a:bodyPr/>
           <a:lstStyle/>
           <a:p>
-            <a:fld id="{77E899D2-9BDD-4C57-B604-1674D8DD8158}" type="slidenum">
+            <a:fld id="{B4A32DB0-82EE-4E78-A0E6-9F3771FBA59F}" type="slidenum">
               <a:rPr lang="zh-CN" altLang="en-US" smtClean="0"/>
               <a:t>‹#›</a:t>
             </a:fld>
@@ -2438,7 +2438,7 @@
     </p:spTree>
     <p:extLst>
       <p:ext uri="{BB962C8B-B14F-4D97-AF65-F5344CB8AC3E}">
-        <p14:creationId xmlns:p14="http://schemas.microsoft.com/office/powerpoint/2010/main" val="2550480921"/>
+        <p14:creationId xmlns:p14="http://schemas.microsoft.com/office/powerpoint/2010/main" val="1211412079"/>
       </p:ext>
     </p:extLst>
   </p:cSld>
@@ -2470,7 +2470,7 @@
           <p:cNvPr id="2" name="标题 1">
             <a:extLst>
               <a:ext uri="{FF2B5EF4-FFF2-40B4-BE49-F238E27FC236}">
-                <a16:creationId xmlns:a16="http://schemas.microsoft.com/office/drawing/2014/main" id="{E48FAB0D-C8BC-CBBA-56E1-3240D577190F}"/>
+                <a16:creationId xmlns:a16="http://schemas.microsoft.com/office/drawing/2014/main" id="{37E63B6B-EF2A-258E-2BFA-C8D45D7EFAD9}"/>
               </a:ext>
             </a:extLst>
           </p:cNvPr>
@@ -2507,7 +2507,7 @@
           <p:cNvPr id="3" name="图片占位符 2">
             <a:extLst>
               <a:ext uri="{FF2B5EF4-FFF2-40B4-BE49-F238E27FC236}">
-                <a16:creationId xmlns:a16="http://schemas.microsoft.com/office/drawing/2014/main" id="{44B1ABF5-EA26-B70E-4ADB-7D2AB2D89E58}"/>
+                <a16:creationId xmlns:a16="http://schemas.microsoft.com/office/drawing/2014/main" id="{B22A832F-DF98-FDED-00FD-48F8A62AED50}"/>
               </a:ext>
             </a:extLst>
           </p:cNvPr>
@@ -2574,7 +2574,7 @@
           <p:cNvPr id="4" name="文本占位符 3">
             <a:extLst>
               <a:ext uri="{FF2B5EF4-FFF2-40B4-BE49-F238E27FC236}">
-                <a16:creationId xmlns:a16="http://schemas.microsoft.com/office/drawing/2014/main" id="{00527986-C426-AED5-7218-EA4FBFFB99B3}"/>
+                <a16:creationId xmlns:a16="http://schemas.microsoft.com/office/drawing/2014/main" id="{B58A972C-BAFB-4AEE-CDFF-F3AA4A69FA3E}"/>
               </a:ext>
             </a:extLst>
           </p:cNvPr>
@@ -2645,7 +2645,7 @@
           <p:cNvPr id="5" name="日期占位符 4">
             <a:extLst>
               <a:ext uri="{FF2B5EF4-FFF2-40B4-BE49-F238E27FC236}">
-                <a16:creationId xmlns:a16="http://schemas.microsoft.com/office/drawing/2014/main" id="{D4E60148-0A7F-30E7-29AE-D572F41F5ACC}"/>
+                <a16:creationId xmlns:a16="http://schemas.microsoft.com/office/drawing/2014/main" id="{E6624DC3-8E6F-27F5-D873-8EB541BBCD33}"/>
               </a:ext>
             </a:extLst>
           </p:cNvPr>
@@ -2661,7 +2661,7 @@
           <a:bodyPr/>
           <a:lstStyle/>
           <a:p>
-            <a:fld id="{D8D504A2-9C3D-4E2D-819F-401D128FA7BC}" type="datetimeFigureOut">
+            <a:fld id="{A39AB41A-B348-4CA7-83F0-BA381DD76654}" type="datetimeFigureOut">
               <a:rPr lang="zh-CN" altLang="en-US" smtClean="0"/>
               <a:t>2024/3/10</a:t>
             </a:fld>
@@ -2674,7 +2674,7 @@
           <p:cNvPr id="6" name="页脚占位符 5">
             <a:extLst>
               <a:ext uri="{FF2B5EF4-FFF2-40B4-BE49-F238E27FC236}">
-                <a16:creationId xmlns:a16="http://schemas.microsoft.com/office/drawing/2014/main" id="{62C1FA76-D4C2-A04D-DC08-CEE9D74706D8}"/>
+                <a16:creationId xmlns:a16="http://schemas.microsoft.com/office/drawing/2014/main" id="{A620145E-2662-7F73-F435-D1E0C5307D9A}"/>
               </a:ext>
             </a:extLst>
           </p:cNvPr>
@@ -2699,7 +2699,7 @@
           <p:cNvPr id="7" name="灯片编号占位符 6">
             <a:extLst>
               <a:ext uri="{FF2B5EF4-FFF2-40B4-BE49-F238E27FC236}">
-                <a16:creationId xmlns:a16="http://schemas.microsoft.com/office/drawing/2014/main" id="{57FFEF02-3C16-929C-8E41-179568FB69D5}"/>
+                <a16:creationId xmlns:a16="http://schemas.microsoft.com/office/drawing/2014/main" id="{15BF3A41-BA63-643E-4553-7D3B975F268C}"/>
               </a:ext>
             </a:extLst>
           </p:cNvPr>
@@ -2715,7 +2715,7 @@
           <a:bodyPr/>
           <a:lstStyle/>
           <a:p>
-            <a:fld id="{77E899D2-9BDD-4C57-B604-1674D8DD8158}" type="slidenum">
+            <a:fld id="{B4A32DB0-82EE-4E78-A0E6-9F3771FBA59F}" type="slidenum">
               <a:rPr lang="zh-CN" altLang="en-US" smtClean="0"/>
               <a:t>‹#›</a:t>
             </a:fld>
@@ -2726,7 +2726,7 @@
     </p:spTree>
     <p:extLst>
       <p:ext uri="{BB962C8B-B14F-4D97-AF65-F5344CB8AC3E}">
-        <p14:creationId xmlns:p14="http://schemas.microsoft.com/office/powerpoint/2010/main" val="4149815043"/>
+        <p14:creationId xmlns:p14="http://schemas.microsoft.com/office/powerpoint/2010/main" val="142622007"/>
       </p:ext>
     </p:extLst>
   </p:cSld>
@@ -2763,7 +2763,7 @@
           <p:cNvPr id="2" name="标题占位符 1">
             <a:extLst>
               <a:ext uri="{FF2B5EF4-FFF2-40B4-BE49-F238E27FC236}">
-                <a16:creationId xmlns:a16="http://schemas.microsoft.com/office/drawing/2014/main" id="{ADF7B877-4C51-7559-C2B1-047DA7C59B60}"/>
+                <a16:creationId xmlns:a16="http://schemas.microsoft.com/office/drawing/2014/main" id="{310C0826-E7E4-525C-DC04-3FA46609BDC2}"/>
               </a:ext>
             </a:extLst>
           </p:cNvPr>
@@ -2801,7 +2801,7 @@
           <p:cNvPr id="3" name="文本占位符 2">
             <a:extLst>
               <a:ext uri="{FF2B5EF4-FFF2-40B4-BE49-F238E27FC236}">
-                <a16:creationId xmlns:a16="http://schemas.microsoft.com/office/drawing/2014/main" id="{FA266E35-5738-F056-5967-32253A09256E}"/>
+                <a16:creationId xmlns:a16="http://schemas.microsoft.com/office/drawing/2014/main" id="{A1A19553-F3A9-B635-6364-A881BB8BA84C}"/>
               </a:ext>
             </a:extLst>
           </p:cNvPr>
@@ -2868,7 +2868,7 @@
           <p:cNvPr id="4" name="日期占位符 3">
             <a:extLst>
               <a:ext uri="{FF2B5EF4-FFF2-40B4-BE49-F238E27FC236}">
-                <a16:creationId xmlns:a16="http://schemas.microsoft.com/office/drawing/2014/main" id="{E3C291DD-F920-B656-60D1-D1FB4EDBD6E9}"/>
+                <a16:creationId xmlns:a16="http://schemas.microsoft.com/office/drawing/2014/main" id="{7BA31202-97FB-A024-7D22-5BE5E297DF37}"/>
               </a:ext>
             </a:extLst>
           </p:cNvPr>
@@ -2902,7 +2902,7 @@
             </a:lvl1pPr>
           </a:lstStyle>
           <a:p>
-            <a:fld id="{D8D504A2-9C3D-4E2D-819F-401D128FA7BC}" type="datetimeFigureOut">
+            <a:fld id="{A39AB41A-B348-4CA7-83F0-BA381DD76654}" type="datetimeFigureOut">
               <a:rPr lang="zh-CN" altLang="en-US" smtClean="0"/>
               <a:t>2024/3/10</a:t>
             </a:fld>
@@ -2915,7 +2915,7 @@
           <p:cNvPr id="5" name="页脚占位符 4">
             <a:extLst>
               <a:ext uri="{FF2B5EF4-FFF2-40B4-BE49-F238E27FC236}">
-                <a16:creationId xmlns:a16="http://schemas.microsoft.com/office/drawing/2014/main" id="{2F3B5C14-37FE-F6BE-19C7-D575EAFFB218}"/>
+                <a16:creationId xmlns:a16="http://schemas.microsoft.com/office/drawing/2014/main" id="{6D4DECFF-C7A9-10D8-0B14-94A52B2E4517}"/>
               </a:ext>
             </a:extLst>
           </p:cNvPr>
@@ -2958,7 +2958,7 @@
           <p:cNvPr id="6" name="灯片编号占位符 5">
             <a:extLst>
               <a:ext uri="{FF2B5EF4-FFF2-40B4-BE49-F238E27FC236}">
-                <a16:creationId xmlns:a16="http://schemas.microsoft.com/office/drawing/2014/main" id="{6645D9AD-D00C-94B7-3B7D-1AA67D1645E3}"/>
+                <a16:creationId xmlns:a16="http://schemas.microsoft.com/office/drawing/2014/main" id="{563BC6B5-9826-07EA-BFE6-EA2CF23FA3B7}"/>
               </a:ext>
             </a:extLst>
           </p:cNvPr>
@@ -2992,7 +2992,7 @@
             </a:lvl1pPr>
           </a:lstStyle>
           <a:p>
-            <a:fld id="{77E899D2-9BDD-4C57-B604-1674D8DD8158}" type="slidenum">
+            <a:fld id="{B4A32DB0-82EE-4E78-A0E6-9F3771FBA59F}" type="slidenum">
               <a:rPr lang="zh-CN" altLang="en-US" smtClean="0"/>
               <a:t>‹#›</a:t>
             </a:fld>
@@ -3003,7 +3003,7 @@
     </p:spTree>
     <p:extLst>
       <p:ext uri="{BB962C8B-B14F-4D97-AF65-F5344CB8AC3E}">
-        <p14:creationId xmlns:p14="http://schemas.microsoft.com/office/powerpoint/2010/main" val="461095668"/>
+        <p14:creationId xmlns:p14="http://schemas.microsoft.com/office/powerpoint/2010/main" val="1439765506"/>
       </p:ext>
     </p:extLst>
   </p:cSld>
@@ -3323,7 +3323,7 @@
       </p:grpSpPr>
       <p:pic>
         <p:nvPicPr>
-          <p:cNvPr id="973826" name="Picture 2" descr="950"/>
+          <p:cNvPr id="974850" name="Picture 2" descr="951"/>
           <p:cNvPicPr>
             <a:picLocks noChangeAspect="1" noChangeArrowheads="1"/>
           </p:cNvPicPr>
